--- a/doc/Tutorial.pptx
+++ b/doc/Tutorial.pptx
@@ -33,16 +33,16 @@
   <p:notesSz cx="6858000" cy="9144000"/>
   <p:embeddedFontLst>
     <p:embeddedFont>
-      <p:font typeface="Source Sans Pro" panose="020B0503030403020204" pitchFamily="34" charset="0"/>
+      <p:font typeface="Montserrat" panose="00000500000000000000" pitchFamily="50" charset="0"/>
       <p:regular r:id="rId23"/>
       <p:bold r:id="rId24"/>
-      <p:italic r:id="rId25"/>
-      <p:boldItalic r:id="rId26"/>
     </p:embeddedFont>
     <p:embeddedFont>
-      <p:font typeface="Montserrat" panose="00000500000000000000" pitchFamily="50" charset="0"/>
-      <p:regular r:id="rId27"/>
-      <p:bold r:id="rId28"/>
+      <p:font typeface="Source Sans Pro" panose="020B0503030403020204" pitchFamily="34" charset="0"/>
+      <p:regular r:id="rId25"/>
+      <p:bold r:id="rId26"/>
+      <p:italic r:id="rId27"/>
+      <p:boldItalic r:id="rId28"/>
     </p:embeddedFont>
   </p:embeddedFontLst>
   <p:defaultTextStyle>
@@ -9327,7 +9327,14 @@
                 <a:latin typeface="SF Display" panose="00000500000000000000" pitchFamily="50" charset="0"/>
                 <a:ea typeface="SF Display" panose="00000500000000000000" pitchFamily="50" charset="0"/>
               </a:rPr>
-              <a:t>taking into account we must reference an user.</a:t>
+              <a:t>taking into account we </a:t>
+            </a:r>
+            <a:r>
+              <a:rPr lang="es-ES" sz="1000" smtClean="0">
+                <a:latin typeface="SF Display" panose="00000500000000000000" pitchFamily="50" charset="0"/>
+                <a:ea typeface="SF Display" panose="00000500000000000000" pitchFamily="50" charset="0"/>
+              </a:rPr>
+              <a:t>must have a reference to one of them.</a:t>
             </a:r>
             <a:endParaRPr lang="es-ES" sz="1000">
               <a:latin typeface="SF Display" panose="00000500000000000000" pitchFamily="50" charset="0"/>
@@ -10848,21 +10855,7 @@
                 <a:latin typeface="SF Display" panose="00000500000000000000" pitchFamily="50" charset="0"/>
                 <a:ea typeface="SF Display" panose="00000500000000000000" pitchFamily="50" charset="0"/>
               </a:rPr>
-              <a:t>In order to make queries we’ve used methods like orderByChild or equalTo but there’s a lot of </a:t>
-            </a:r>
-            <a:r>
-              <a:rPr lang="es-ES" sz="1000" smtClean="0">
-                <a:latin typeface="SF Display" panose="00000500000000000000" pitchFamily="50" charset="0"/>
-                <a:ea typeface="SF Display" panose="00000500000000000000" pitchFamily="50" charset="0"/>
-              </a:rPr>
-              <a:t>methods we </a:t>
-            </a:r>
-            <a:r>
-              <a:rPr lang="es-ES" sz="1000" smtClean="0">
-                <a:latin typeface="SF Display" panose="00000500000000000000" pitchFamily="50" charset="0"/>
-                <a:ea typeface="SF Display" panose="00000500000000000000" pitchFamily="50" charset="0"/>
-              </a:rPr>
-              <a:t>can use:</a:t>
+              <a:t>In order to make queries we’ve used methods like orderByChild or equalTo but there’s a lot of methods we can use:</a:t>
             </a:r>
           </a:p>
           <a:p>
@@ -11168,10 +11161,6 @@
               </a:rPr>
               <a:t>As we did with ‘child_added’, we still need to listen for those events:</a:t>
             </a:r>
-            <a:endParaRPr lang="es-ES" sz="1200" smtClean="0">
-              <a:latin typeface="SF Display" panose="00000500000000000000" pitchFamily="50" charset="0"/>
-              <a:ea typeface="SF Display" panose="00000500000000000000" pitchFamily="50" charset="0"/>
-            </a:endParaRPr>
           </a:p>
         </p:txBody>
       </p:sp>
@@ -11561,17 +11550,7 @@
                 <a:latin typeface="SF Display" panose="00000500000000000000" pitchFamily="50" charset="0"/>
                 <a:ea typeface="SF Display" panose="00000500000000000000" pitchFamily="50" charset="0"/>
               </a:rPr>
-              <a:t>function(snapshot</a:t>
-            </a:r>
-            <a:r>
-              <a:rPr lang="es-ES" altLang="es-ES" sz="1000">
-                <a:solidFill>
-                  <a:schemeClr val="bg1"/>
-                </a:solidFill>
-                <a:latin typeface="SF Display" panose="00000500000000000000" pitchFamily="50" charset="0"/>
-                <a:ea typeface="SF Display" panose="00000500000000000000" pitchFamily="50" charset="0"/>
-              </a:rPr>
-              <a:t>) </a:t>
+              <a:t>function(snapshot) </a:t>
             </a:r>
             <a:r>
               <a:rPr lang="es-ES" altLang="es-ES" sz="1000" smtClean="0">
@@ -11710,7 +11689,21 @@
                 <a:latin typeface="SF Display" panose="00000500000000000000" pitchFamily="50" charset="0"/>
                 <a:ea typeface="SF Display" panose="00000500000000000000" pitchFamily="50" charset="0"/>
               </a:rPr>
-              <a:t>&lt;div id=“&lt;keyIdentifier”&gt; … &lt;/div&gt;</a:t>
+              <a:t>&lt;div id</a:t>
+            </a:r>
+            <a:r>
+              <a:rPr lang="en-US" sz="1050" smtClean="0">
+                <a:latin typeface="SF Display" panose="00000500000000000000" pitchFamily="50" charset="0"/>
+                <a:ea typeface="SF Display" panose="00000500000000000000" pitchFamily="50" charset="0"/>
+              </a:rPr>
+              <a:t>=“keyIdentifier</a:t>
+            </a:r>
+            <a:r>
+              <a:rPr lang="en-US" sz="1050" smtClean="0">
+                <a:latin typeface="SF Display" panose="00000500000000000000" pitchFamily="50" charset="0"/>
+                <a:ea typeface="SF Display" panose="00000500000000000000" pitchFamily="50" charset="0"/>
+              </a:rPr>
+              <a:t>”&gt; … &lt;/div&gt;</a:t>
             </a:r>
             <a:endParaRPr lang="en-US" sz="1050">
               <a:latin typeface="SF Display" panose="00000500000000000000" pitchFamily="50" charset="0"/>
@@ -12009,12 +12002,22 @@
                 <a:latin typeface="SF Display" panose="00000500000000000000" pitchFamily="50" charset="0"/>
                 <a:ea typeface="SF Display" panose="00000500000000000000" pitchFamily="50" charset="0"/>
               </a:rPr>
-              <a:t>We said that insteaf of using the ‘once’ query we could also make a query and then remove the listener associated to that query. Obviously it is not recommended to use if we can use the ‘once’ query, but it could be interesting to learn how to remove a listener.</a:t>
-            </a:r>
-            <a:endParaRPr lang="es-ES" sz="1200" smtClean="0">
-              <a:latin typeface="SF Display" panose="00000500000000000000" pitchFamily="50" charset="0"/>
-              <a:ea typeface="SF Display" panose="00000500000000000000" pitchFamily="50" charset="0"/>
-            </a:endParaRPr>
+              <a:t>We said that </a:t>
+            </a:r>
+            <a:r>
+              <a:rPr lang="es-ES" sz="1200" smtClean="0">
+                <a:latin typeface="SF Display" panose="00000500000000000000" pitchFamily="50" charset="0"/>
+                <a:ea typeface="SF Display" panose="00000500000000000000" pitchFamily="50" charset="0"/>
+              </a:rPr>
+              <a:t>instead </a:t>
+            </a:r>
+            <a:r>
+              <a:rPr lang="es-ES" sz="1200" smtClean="0">
+                <a:latin typeface="SF Display" panose="00000500000000000000" pitchFamily="50" charset="0"/>
+                <a:ea typeface="SF Display" panose="00000500000000000000" pitchFamily="50" charset="0"/>
+              </a:rPr>
+              <a:t>of using the ‘once’ query we could also make a query and then remove the listener associated to that query. Obviously it is not recommended to use if we can use the ‘once’ query, but it could be interesting to learn how to remove a listener.</a:t>
+            </a:r>
           </a:p>
         </p:txBody>
       </p:sp>
@@ -12205,47 +12208,27 @@
                 <a:latin typeface="SF Display" panose="00000500000000000000" pitchFamily="50" charset="0"/>
                 <a:ea typeface="SF Display" panose="00000500000000000000" pitchFamily="50" charset="0"/>
               </a:rPr>
-              <a:t>).</a:t>
+              <a:t>).on(</a:t>
             </a:r>
             <a:r>
               <a:rPr lang="es-ES" altLang="es-ES" sz="1000" smtClean="0">
                 <a:solidFill>
+                  <a:srgbClr val="92D050"/>
+                </a:solidFill>
+                <a:latin typeface="SF Display" panose="00000500000000000000" pitchFamily="50" charset="0"/>
+                <a:ea typeface="SF Display" panose="00000500000000000000" pitchFamily="50" charset="0"/>
+              </a:rPr>
+              <a:t>‘child_added'</a:t>
+            </a:r>
+            <a:r>
+              <a:rPr lang="es-ES" altLang="es-ES" sz="1000" smtClean="0">
+                <a:solidFill>
                   <a:srgbClr val="4DD0E1"/>
                 </a:solidFill>
                 <a:latin typeface="SF Display" panose="00000500000000000000" pitchFamily="50" charset="0"/>
                 <a:ea typeface="SF Display" panose="00000500000000000000" pitchFamily="50" charset="0"/>
               </a:rPr>
-              <a:t>on(</a:t>
-            </a:r>
-            <a:r>
-              <a:rPr lang="es-ES" altLang="es-ES" sz="1000" smtClean="0">
-                <a:solidFill>
-                  <a:srgbClr val="92D050"/>
-                </a:solidFill>
-                <a:latin typeface="SF Display" panose="00000500000000000000" pitchFamily="50" charset="0"/>
-                <a:ea typeface="SF Display" panose="00000500000000000000" pitchFamily="50" charset="0"/>
-              </a:rPr>
-              <a:t>‘child_added'</a:t>
-            </a:r>
-            <a:r>
-              <a:rPr lang="es-ES" altLang="es-ES" sz="1000" smtClean="0">
-                <a:solidFill>
-                  <a:srgbClr val="4DD0E1"/>
-                </a:solidFill>
-                <a:latin typeface="SF Display" panose="00000500000000000000" pitchFamily="50" charset="0"/>
-                <a:ea typeface="SF Display" panose="00000500000000000000" pitchFamily="50" charset="0"/>
-              </a:rPr>
-              <a:t>,      </a:t>
-            </a:r>
-            <a:r>
-              <a:rPr lang="es-ES" altLang="es-ES" sz="1000" smtClean="0">
-                <a:solidFill>
-                  <a:srgbClr val="4DD0E1"/>
-                </a:solidFill>
-                <a:latin typeface="SF Display" panose="00000500000000000000" pitchFamily="50" charset="0"/>
-                <a:ea typeface="SF Display" panose="00000500000000000000" pitchFamily="50" charset="0"/>
-              </a:rPr>
-              <a:t>	</a:t>
+              <a:t>,      	</a:t>
             </a:r>
             <a:r>
               <a:rPr lang="es-ES" altLang="es-ES" sz="1000" smtClean="0">
@@ -12629,17 +12612,7 @@
                 <a:latin typeface="SF Display" panose="00000500000000000000" pitchFamily="50" charset="0"/>
                 <a:ea typeface="SF Display" panose="00000500000000000000" pitchFamily="50" charset="0"/>
               </a:rPr>
-              <a:t>      	</a:t>
-            </a:r>
-            <a:r>
-              <a:rPr lang="es-ES" altLang="es-ES" sz="1000" smtClean="0">
-                <a:solidFill>
-                  <a:schemeClr val="bg1"/>
-                </a:solidFill>
-                <a:latin typeface="SF Display" panose="00000500000000000000" pitchFamily="50" charset="0"/>
-                <a:ea typeface="SF Display" panose="00000500000000000000" pitchFamily="50" charset="0"/>
-              </a:rPr>
-              <a:t>}</a:t>
+              <a:t>      	}</a:t>
             </a:r>
             <a:r>
               <a:rPr lang="es-ES" altLang="es-ES" sz="1000" smtClean="0">
@@ -13007,13 +12980,6 @@
               </a:rPr>
               <a:t>It consists only of users with username, name and email. Take into account that the username must be unique, even though it is not the key for the entity user.</a:t>
             </a:r>
-            <a:endParaRPr lang="es-ES" sz="1400" smtClean="0">
-              <a:solidFill>
-                <a:schemeClr val="tx1"/>
-              </a:solidFill>
-              <a:latin typeface="SF Display" panose="00000500000000000000" pitchFamily="50" charset="0"/>
-              <a:ea typeface="SF Display" panose="00000500000000000000" pitchFamily="50" charset="0"/>
-            </a:endParaRPr>
           </a:p>
           <a:p>
             <a:pPr marL="0" lvl="0" indent="0" rtl="0">
@@ -24372,21 +24338,7 @@
                 <a:latin typeface="SF Display" panose="00000500000000000000" pitchFamily="50" charset="0"/>
                 <a:ea typeface="SF Display" panose="00000500000000000000" pitchFamily="50" charset="0"/>
               </a:rPr>
-              <a:t>Once we </a:t>
-            </a:r>
-            <a:r>
-              <a:rPr lang="en-US" sz="1200" smtClean="0">
-                <a:latin typeface="SF Display" panose="00000500000000000000" pitchFamily="50" charset="0"/>
-                <a:ea typeface="SF Display" panose="00000500000000000000" pitchFamily="50" charset="0"/>
-              </a:rPr>
-              <a:t>copy the </a:t>
-            </a:r>
-            <a:r>
-              <a:rPr lang="en-US" sz="1200" smtClean="0">
-                <a:latin typeface="SF Display" panose="00000500000000000000" pitchFamily="50" charset="0"/>
-                <a:ea typeface="SF Display" panose="00000500000000000000" pitchFamily="50" charset="0"/>
-              </a:rPr>
-              <a:t>previous piece of code in our application, </a:t>
+              <a:t>Once we copy the previous piece of code in our application, </a:t>
             </a:r>
             <a:r>
               <a:rPr lang="en-US" sz="1200" b="1" smtClean="0">
@@ -25050,7 +25002,7 @@
 
 <file path=ppt/webextensions/taskpanes.xml><?xml version="1.0" encoding="utf-8"?>
 <wetp:taskpanes xmlns:wetp="http://schemas.microsoft.com/office/webextensions/taskpanes/2010/11">
-  <wetp:taskpane dockstate="right" visibility="1" width="350" row="2">
+  <wetp:taskpane dockstate="right" visibility="1" width="350" row="3">
     <wetp:webextensionref xmlns:r="http://schemas.openxmlformats.org/officeDocument/2006/relationships" r:id="rId1"/>
   </wetp:taskpane>
 </wetp:taskpanes>

--- a/doc/Tutorial.pptx
+++ b/doc/Tutorial.pptx
@@ -9327,14 +9327,7 @@
                 <a:latin typeface="SF Display" panose="00000500000000000000" pitchFamily="50" charset="0"/>
                 <a:ea typeface="SF Display" panose="00000500000000000000" pitchFamily="50" charset="0"/>
               </a:rPr>
-              <a:t>taking into account we </a:t>
-            </a:r>
-            <a:r>
-              <a:rPr lang="es-ES" sz="1000" smtClean="0">
-                <a:latin typeface="SF Display" panose="00000500000000000000" pitchFamily="50" charset="0"/>
-                <a:ea typeface="SF Display" panose="00000500000000000000" pitchFamily="50" charset="0"/>
-              </a:rPr>
-              <a:t>must have a reference to one of them.</a:t>
+              <a:t>taking into account we must have a reference to one of them.</a:t>
             </a:r>
             <a:endParaRPr lang="es-ES" sz="1000">
               <a:latin typeface="SF Display" panose="00000500000000000000" pitchFamily="50" charset="0"/>
@@ -11689,21 +11682,7 @@
                 <a:latin typeface="SF Display" panose="00000500000000000000" pitchFamily="50" charset="0"/>
                 <a:ea typeface="SF Display" panose="00000500000000000000" pitchFamily="50" charset="0"/>
               </a:rPr>
-              <a:t>&lt;div id</a:t>
-            </a:r>
-            <a:r>
-              <a:rPr lang="en-US" sz="1050" smtClean="0">
-                <a:latin typeface="SF Display" panose="00000500000000000000" pitchFamily="50" charset="0"/>
-                <a:ea typeface="SF Display" panose="00000500000000000000" pitchFamily="50" charset="0"/>
-              </a:rPr>
-              <a:t>=“keyIdentifier</a:t>
-            </a:r>
-            <a:r>
-              <a:rPr lang="en-US" sz="1050" smtClean="0">
-                <a:latin typeface="SF Display" panose="00000500000000000000" pitchFamily="50" charset="0"/>
-                <a:ea typeface="SF Display" panose="00000500000000000000" pitchFamily="50" charset="0"/>
-              </a:rPr>
-              <a:t>”&gt; … &lt;/div&gt;</a:t>
+              <a:t>&lt;div id=“keyIdentifier”&gt; … &lt;/div&gt;</a:t>
             </a:r>
             <a:endParaRPr lang="en-US" sz="1050">
               <a:latin typeface="SF Display" panose="00000500000000000000" pitchFamily="50" charset="0"/>
@@ -12002,21 +11981,7 @@
                 <a:latin typeface="SF Display" panose="00000500000000000000" pitchFamily="50" charset="0"/>
                 <a:ea typeface="SF Display" panose="00000500000000000000" pitchFamily="50" charset="0"/>
               </a:rPr>
-              <a:t>We said that </a:t>
-            </a:r>
-            <a:r>
-              <a:rPr lang="es-ES" sz="1200" smtClean="0">
-                <a:latin typeface="SF Display" panose="00000500000000000000" pitchFamily="50" charset="0"/>
-                <a:ea typeface="SF Display" panose="00000500000000000000" pitchFamily="50" charset="0"/>
-              </a:rPr>
-              <a:t>instead </a:t>
-            </a:r>
-            <a:r>
-              <a:rPr lang="es-ES" sz="1200" smtClean="0">
-                <a:latin typeface="SF Display" panose="00000500000000000000" pitchFamily="50" charset="0"/>
-                <a:ea typeface="SF Display" panose="00000500000000000000" pitchFamily="50" charset="0"/>
-              </a:rPr>
-              <a:t>of using the ‘once’ query we could also make a query and then remove the listener associated to that query. Obviously it is not recommended to use if we can use the ‘once’ query, but it could be interesting to learn how to remove a listener.</a:t>
+              <a:t>We said that instead of using the ‘once’ query we could also make a query and then remove the listener associated to that query. Obviously it is not recommended to use if we can use the ‘once’ query, but it could be interesting to learn how to remove a listener.</a:t>
             </a:r>
           </a:p>
         </p:txBody>
@@ -14188,7 +14153,7 @@
               <a:rPr lang="en-US" smtClean="0">
                 <a:latin typeface="SF Display" panose="00000500000000000000" pitchFamily="50" charset="0"/>
                 <a:ea typeface="SF Display" panose="00000500000000000000" pitchFamily="50" charset="0"/>
-                <a:hlinkClick r:id="rId3"/>
+                <a:hlinkClick r:id="rId5"/>
               </a:rPr>
               <a:t>Firebase project </a:t>
             </a:r>
@@ -14203,7 +14168,7 @@
               <a:rPr lang="en-US" smtClean="0">
                 <a:latin typeface="SF Display" panose="00000500000000000000" pitchFamily="50" charset="0"/>
                 <a:ea typeface="SF Display" panose="00000500000000000000" pitchFamily="50" charset="0"/>
-                <a:hlinkClick r:id="rId5"/>
+                <a:hlinkClick r:id="rId6"/>
               </a:rPr>
               <a:t>AlfonsoLRz</a:t>
             </a:r>
@@ -25002,7 +24967,7 @@
 
 <file path=ppt/webextensions/taskpanes.xml><?xml version="1.0" encoding="utf-8"?>
 <wetp:taskpanes xmlns:wetp="http://schemas.microsoft.com/office/webextensions/taskpanes/2010/11">
-  <wetp:taskpane dockstate="right" visibility="1" width="350" row="3">
+  <wetp:taskpane dockstate="right" visibility="1" width="350" row="4">
     <wetp:webextensionref xmlns:r="http://schemas.openxmlformats.org/officeDocument/2006/relationships" r:id="rId1"/>
   </wetp:taskpane>
 </wetp:taskpanes>
